--- a/Presentacion la Regenta.pptx
+++ b/Presentacion la Regenta.pptx
@@ -5004,17 +5004,17 @@
         <p:spPr>
           <a:xfrm>
             <a:off x="448056" y="1944000"/>
-            <a:ext cx="5432044" cy="4006800"/>
+            <a:ext cx="3784579" cy="4006800"/>
           </a:xfrm>
         </p:spPr>
         <p:txBody>
           <a:bodyPr>
-            <a:normAutofit/>
+            <a:normAutofit lnSpcReduction="10000"/>
           </a:bodyPr>
           <a:lstStyle/>
           <a:p>
             <a:r>
-              <a:rPr lang="es-CO" dirty="0">
+              <a:rPr lang="es-CO" sz="1600" dirty="0">
                 <a:ln w="0"/>
                 <a:solidFill>
                   <a:schemeClr val="tx1"/>
@@ -5030,7 +5030,7 @@
               <a:t>Se dividió el texto en varios segmentos que denominamos “tomos” utilizando los índices encontrados para cada capítulo, se busca la frecuencia de aparición de cada personaje en cada capitulo. Se crea una tabla llamada </a:t>
             </a:r>
             <a:r>
-              <a:rPr lang="es-CO" dirty="0" err="1">
+              <a:rPr lang="es-CO" sz="1600" dirty="0" err="1">
                 <a:ln w="0"/>
                 <a:solidFill>
                   <a:schemeClr val="tx1"/>
@@ -5046,7 +5046,7 @@
               <a:t>tabla_frecuencia_por_capitulo</a:t>
             </a:r>
             <a:r>
-              <a:rPr lang="es-CO" dirty="0">
+              <a:rPr lang="es-CO" sz="1600" dirty="0">
                 <a:ln w="0"/>
                 <a:solidFill>
                   <a:schemeClr val="tx1"/>
@@ -5066,10 +5066,10 @@
       </p:sp>
       <p:pic>
         <p:nvPicPr>
-          <p:cNvPr id="16" name="Imagen 15" descr="Texto&#10;&#10;Descripción generada automáticamente">
-            <a:extLst>
-              <a:ext uri="{FF2B5EF4-FFF2-40B4-BE49-F238E27FC236}">
-                <a16:creationId xmlns:a16="http://schemas.microsoft.com/office/drawing/2014/main" id="{AC3B6F7E-F60A-9E80-5337-3B128703B0F5}"/>
+          <p:cNvPr id="6" name="Imagen 5">
+            <a:extLst>
+              <a:ext uri="{FF2B5EF4-FFF2-40B4-BE49-F238E27FC236}">
+                <a16:creationId xmlns:a16="http://schemas.microsoft.com/office/drawing/2014/main" id="{36706FD5-B56D-4405-B402-C75845C6B88B}"/>
               </a:ext>
             </a:extLst>
           </p:cNvPr>
@@ -5078,15 +5078,16 @@
           </p:cNvPicPr>
           <p:nvPr/>
         </p:nvPicPr>
-        <p:blipFill rotWithShape="1">
+        <p:blipFill>
           <a:blip r:embed="rId3"/>
-          <a:srcRect l="12161" t="55738" r="43541" b="3167"/>
-          <a:stretch/>
+          <a:stretch>
+            <a:fillRect/>
+          </a:stretch>
         </p:blipFill>
         <p:spPr>
           <a:xfrm>
-            <a:off x="6348742" y="450000"/>
-            <a:ext cx="5358412" cy="5508000"/>
+            <a:off x="4232635" y="1838733"/>
+            <a:ext cx="7647364" cy="4495931"/>
           </a:xfrm>
           <a:prstGeom prst="rect">
             <a:avLst/>
@@ -5352,10 +5353,10 @@
       </p:cxnSp>
       <p:pic>
         <p:nvPicPr>
-          <p:cNvPr id="5" name="Imagen 4" descr="Imagen de la pantalla de un computador&#10;&#10;Descripción generada automáticamente con confianza baja">
-            <a:extLst>
-              <a:ext uri="{FF2B5EF4-FFF2-40B4-BE49-F238E27FC236}">
-                <a16:creationId xmlns:a16="http://schemas.microsoft.com/office/drawing/2014/main" id="{599B82FD-504A-B4A2-D0DD-FD5DD844E7CA}"/>
+          <p:cNvPr id="6" name="Imagen 5">
+            <a:extLst>
+              <a:ext uri="{FF2B5EF4-FFF2-40B4-BE49-F238E27FC236}">
+                <a16:creationId xmlns:a16="http://schemas.microsoft.com/office/drawing/2014/main" id="{814D7E18-B675-46B5-A6C6-FE1263598064}"/>
               </a:ext>
             </a:extLst>
           </p:cNvPr>
@@ -5364,48 +5365,28 @@
           </p:cNvPicPr>
           <p:nvPr/>
         </p:nvPicPr>
-        <p:blipFill rotWithShape="1">
+        <p:blipFill>
           <a:blip r:embed="rId2"/>
-          <a:srcRect l="54746" t="73833"/>
-          <a:stretch/>
+          <a:stretch>
+            <a:fillRect/>
+          </a:stretch>
         </p:blipFill>
         <p:spPr>
           <a:xfrm>
-            <a:off x="5184046" y="2033641"/>
-            <a:ext cx="6827547" cy="4374359"/>
-          </a:xfrm>
-          <a:custGeom>
+            <a:off x="4846017" y="1932122"/>
+            <a:ext cx="6192770" cy="4475878"/>
+          </a:xfrm>
+          <a:prstGeom prst="rect">
             <a:avLst/>
-            <a:gdLst/>
-            <a:ahLst/>
-            <a:cxnLst/>
-            <a:rect l="l" t="t" r="r" b="b"/>
-            <a:pathLst>
-              <a:path w="5551961" h="2988000">
-                <a:moveTo>
-                  <a:pt x="0" y="0"/>
-                </a:moveTo>
-                <a:lnTo>
-                  <a:pt x="5551961" y="0"/>
-                </a:lnTo>
-                <a:lnTo>
-                  <a:pt x="5551961" y="2988000"/>
-                </a:lnTo>
-                <a:lnTo>
-                  <a:pt x="0" y="2988000"/>
-                </a:lnTo>
-                <a:close/>
-              </a:path>
-            </a:pathLst>
-          </a:custGeom>
+          </a:prstGeom>
         </p:spPr>
       </p:pic>
       <p:pic>
         <p:nvPicPr>
-          <p:cNvPr id="4" name="Imagen 3" descr="Imagen de la pantalla de un computador&#10;&#10;Descripción generada automáticamente con confianza baja">
-            <a:extLst>
-              <a:ext uri="{FF2B5EF4-FFF2-40B4-BE49-F238E27FC236}">
-                <a16:creationId xmlns:a16="http://schemas.microsoft.com/office/drawing/2014/main" id="{92D0FC46-E5FB-19B4-6F09-4C89129D5C33}"/>
+          <p:cNvPr id="8" name="Imagen 7">
+            <a:extLst>
+              <a:ext uri="{FF2B5EF4-FFF2-40B4-BE49-F238E27FC236}">
+                <a16:creationId xmlns:a16="http://schemas.microsoft.com/office/drawing/2014/main" id="{86292D1B-49CE-4534-B5BB-C9BC2AF90346}"/>
               </a:ext>
             </a:extLst>
           </p:cNvPr>
@@ -5414,40 +5395,20 @@
           </p:cNvPicPr>
           <p:nvPr/>
         </p:nvPicPr>
-        <p:blipFill rotWithShape="1">
-          <a:blip r:embed="rId2"/>
-          <a:srcRect t="61667" r="71383" b="4715"/>
-          <a:stretch/>
+        <p:blipFill>
+          <a:blip r:embed="rId3"/>
+          <a:stretch>
+            <a:fillRect/>
+          </a:stretch>
         </p:blipFill>
         <p:spPr>
           <a:xfrm>
-            <a:off x="856649" y="1934999"/>
-            <a:ext cx="3438259" cy="4475479"/>
-          </a:xfrm>
-          <a:custGeom>
+            <a:off x="1153213" y="1932123"/>
+            <a:ext cx="2834325" cy="4481686"/>
+          </a:xfrm>
+          <a:prstGeom prst="rect">
             <a:avLst/>
-            <a:gdLst/>
-            <a:ahLst/>
-            <a:cxnLst/>
-            <a:rect l="l" t="t" r="r" b="b"/>
-            <a:pathLst>
-              <a:path w="5559294" h="2988000">
-                <a:moveTo>
-                  <a:pt x="0" y="0"/>
-                </a:moveTo>
-                <a:lnTo>
-                  <a:pt x="5559294" y="0"/>
-                </a:lnTo>
-                <a:lnTo>
-                  <a:pt x="5559294" y="2988000"/>
-                </a:lnTo>
-                <a:lnTo>
-                  <a:pt x="0" y="2988000"/>
-                </a:lnTo>
-                <a:close/>
-              </a:path>
-            </a:pathLst>
-          </a:custGeom>
+          </a:prstGeom>
         </p:spPr>
       </p:pic>
     </p:spTree>
@@ -5671,12 +5632,12 @@
         <p:spPr>
           <a:xfrm>
             <a:off x="448056" y="1944000"/>
-            <a:ext cx="7380000" cy="4006800"/>
+            <a:ext cx="3737445" cy="4006800"/>
           </a:xfrm>
         </p:spPr>
         <p:txBody>
           <a:bodyPr>
-            <a:normAutofit/>
+            <a:normAutofit fontScale="92500"/>
           </a:bodyPr>
           <a:lstStyle/>
           <a:p>
@@ -5752,8 +5713,8 @@
         </p:blipFill>
         <p:spPr>
           <a:xfrm>
-            <a:off x="8256588" y="1047838"/>
-            <a:ext cx="3485412" cy="1468324"/>
+            <a:off x="4185500" y="1943999"/>
+            <a:ext cx="6551449" cy="2759975"/>
           </a:xfrm>
           <a:custGeom>
             <a:avLst/>
@@ -5802,8 +5763,8 @@
         </p:blipFill>
         <p:spPr>
           <a:xfrm>
-            <a:off x="8913714" y="3294000"/>
-            <a:ext cx="2171160" cy="2664000"/>
+            <a:off x="8750707" y="3570253"/>
+            <a:ext cx="2495469" cy="3061925"/>
           </a:xfrm>
           <a:custGeom>
             <a:avLst/>
@@ -6052,7 +6013,7 @@
         <p:spPr>
           <a:xfrm>
             <a:off x="448056" y="1944000"/>
-            <a:ext cx="7380000" cy="4006800"/>
+            <a:ext cx="4208785" cy="4006800"/>
           </a:xfrm>
         </p:spPr>
         <p:txBody>
@@ -6062,7 +6023,7 @@
           <a:lstStyle/>
           <a:p>
             <a:r>
-              <a:rPr lang="es-CO" dirty="0">
+              <a:rPr lang="es-CO" sz="1700" dirty="0">
                 <a:ln w="0"/>
                 <a:solidFill>
                   <a:schemeClr val="tx1"/>
@@ -6078,7 +6039,7 @@
               <a:t>Se </a:t>
             </a:r>
             <a:r>
-              <a:rPr lang="es-CO" dirty="0" err="1">
+              <a:rPr lang="es-CO" sz="1700" dirty="0" err="1">
                 <a:ln w="0"/>
                 <a:solidFill>
                   <a:schemeClr val="tx1"/>
@@ -6094,7 +6055,7 @@
               <a:t>tokenizan</a:t>
             </a:r>
             <a:r>
-              <a:rPr lang="es-CO" dirty="0">
+              <a:rPr lang="es-CO" sz="1700" dirty="0">
                 <a:ln w="0"/>
                 <a:solidFill>
                   <a:schemeClr val="tx1"/>
@@ -6110,7 +6071,7 @@
               <a:t> las oraciones y se almacenan en la variable “oraciones” luego se calcula la longitud de cada oración en carácter y se almacena en la variable “</a:t>
             </a:r>
             <a:r>
-              <a:rPr lang="es-CO" dirty="0" err="1">
+              <a:rPr lang="es-CO" sz="1700" dirty="0" err="1">
                 <a:ln w="0"/>
                 <a:solidFill>
                   <a:schemeClr val="tx1"/>
@@ -6126,7 +6087,7 @@
               <a:t>longitud_oraciones</a:t>
             </a:r>
             <a:r>
-              <a:rPr lang="es-CO" dirty="0">
+              <a:rPr lang="es-CO" sz="1700" dirty="0">
                 <a:ln w="0"/>
                 <a:solidFill>
                   <a:schemeClr val="tx1"/>
@@ -6142,7 +6103,7 @@
               <a:t>”, luego calcula la longitud promedio usando la función mean(), se almacena en la variable “</a:t>
             </a:r>
             <a:r>
-              <a:rPr lang="es-CO" dirty="0" err="1">
+              <a:rPr lang="es-CO" sz="1700" dirty="0" err="1">
                 <a:ln w="0"/>
                 <a:solidFill>
                   <a:schemeClr val="tx1"/>
@@ -6158,7 +6119,7 @@
               <a:t>longitud_promedio</a:t>
             </a:r>
             <a:r>
-              <a:rPr lang="es-CO" dirty="0">
+              <a:rPr lang="es-CO" sz="1700" dirty="0">
                 <a:ln w="0"/>
                 <a:solidFill>
                   <a:schemeClr val="tx1"/>
@@ -6173,7 +6134,7 @@
               </a:rPr>
               <a:t>” por ultimo, se imprime en consola.</a:t>
             </a:r>
-            <a:endParaRPr lang="es-ES" dirty="0">
+            <a:endParaRPr lang="es-ES" sz="1700" dirty="0">
               <a:ln w="0"/>
               <a:solidFill>
                 <a:schemeClr val="tx1"/>
@@ -6210,8 +6171,8 @@
         </p:blipFill>
         <p:spPr>
           <a:xfrm>
-            <a:off x="8276112" y="2134861"/>
-            <a:ext cx="3663799" cy="1812539"/>
+            <a:off x="4760621" y="1944000"/>
+            <a:ext cx="6061350" cy="2998645"/>
           </a:xfrm>
           <a:custGeom>
             <a:avLst/>
@@ -6260,8 +6221,8 @@
         </p:blipFill>
         <p:spPr>
           <a:xfrm>
-            <a:off x="8276112" y="4710393"/>
-            <a:ext cx="3778667" cy="1121790"/>
+            <a:off x="6543974" y="4737186"/>
+            <a:ext cx="4532521" cy="1345590"/>
           </a:xfrm>
           <a:custGeom>
             <a:avLst/>
